--- a/images/research/dddas.pptx
+++ b/images/research/dddas.pptx
@@ -2,12 +2,12 @@
 <file path=ppt/presentation.xml><?xml version="1.0" encoding="utf-8"?>
 <p:presentation xmlns:a="http://schemas.openxmlformats.org/drawingml/2006/main" xmlns:r="http://schemas.openxmlformats.org/officeDocument/2006/relationships" xmlns:p="http://schemas.openxmlformats.org/presentationml/2006/main" saveSubsetFonts="1" autoCompressPictures="0">
   <p:sldMasterIdLst>
-    <p:sldMasterId id="2147483672" r:id="rId1"/>
+    <p:sldMasterId id="2147483720" r:id="rId1"/>
   </p:sldMasterIdLst>
   <p:sldIdLst>
     <p:sldId id="256" r:id="rId2"/>
   </p:sldIdLst>
-  <p:sldSz cx="12192000" cy="4297363"/>
+  <p:sldSz cx="7315200" cy="9144000"/>
   <p:notesSz cx="6858000" cy="9144000"/>
   <p:defaultTextStyle>
     <a:defPPr>
@@ -104,6 +104,11 @@
       </a:defRPr>
     </a:lvl9pPr>
   </p:defaultTextStyle>
+  <p:extLst>
+    <p:ext uri="{EFAFB233-063F-42B5-8137-9DF3F51BA10A}">
+      <p15:sldGuideLst xmlns:p15="http://schemas.microsoft.com/office/powerpoint/2012/main"/>
+    </p:ext>
+  </p:extLst>
 </p:presentation>
 </file>
 
@@ -136,15 +141,15 @@
         </p:nvSpPr>
         <p:spPr>
           <a:xfrm>
-            <a:off x="1524000" y="703296"/>
-            <a:ext cx="9144000" cy="1496119"/>
+            <a:off x="548640" y="1496484"/>
+            <a:ext cx="6217920" cy="3183467"/>
           </a:xfrm>
         </p:spPr>
         <p:txBody>
           <a:bodyPr anchor="b"/>
           <a:lstStyle>
             <a:lvl1pPr algn="ctr">
-              <a:defRPr sz="3760"/>
+              <a:defRPr sz="4800"/>
             </a:lvl1pPr>
           </a:lstStyle>
           <a:p>
@@ -168,8 +173,8 @@
         </p:nvSpPr>
         <p:spPr>
           <a:xfrm>
-            <a:off x="1524000" y="2257111"/>
-            <a:ext cx="9144000" cy="1037534"/>
+            <a:off x="914400" y="4802717"/>
+            <a:ext cx="5486400" cy="2207683"/>
           </a:xfrm>
         </p:spPr>
         <p:txBody>
@@ -177,39 +182,39 @@
           <a:lstStyle>
             <a:lvl1pPr marL="0" indent="0" algn="ctr">
               <a:buNone/>
-              <a:defRPr sz="1504"/>
+              <a:defRPr sz="1920"/>
             </a:lvl1pPr>
-            <a:lvl2pPr marL="286482" indent="0" algn="ctr">
-              <a:buNone/>
-              <a:defRPr sz="1253"/>
+            <a:lvl2pPr marL="365760" indent="0" algn="ctr">
+              <a:buNone/>
+              <a:defRPr sz="1600"/>
             </a:lvl2pPr>
-            <a:lvl3pPr marL="572963" indent="0" algn="ctr">
-              <a:buNone/>
-              <a:defRPr sz="1128"/>
+            <a:lvl3pPr marL="731520" indent="0" algn="ctr">
+              <a:buNone/>
+              <a:defRPr sz="1440"/>
             </a:lvl3pPr>
-            <a:lvl4pPr marL="859445" indent="0" algn="ctr">
-              <a:buNone/>
-              <a:defRPr sz="1003"/>
+            <a:lvl4pPr marL="1097280" indent="0" algn="ctr">
+              <a:buNone/>
+              <a:defRPr sz="1280"/>
             </a:lvl4pPr>
-            <a:lvl5pPr marL="1145926" indent="0" algn="ctr">
-              <a:buNone/>
-              <a:defRPr sz="1003"/>
+            <a:lvl5pPr marL="1463040" indent="0" algn="ctr">
+              <a:buNone/>
+              <a:defRPr sz="1280"/>
             </a:lvl5pPr>
-            <a:lvl6pPr marL="1432408" indent="0" algn="ctr">
-              <a:buNone/>
-              <a:defRPr sz="1003"/>
+            <a:lvl6pPr marL="1828800" indent="0" algn="ctr">
+              <a:buNone/>
+              <a:defRPr sz="1280"/>
             </a:lvl6pPr>
-            <a:lvl7pPr marL="1718889" indent="0" algn="ctr">
-              <a:buNone/>
-              <a:defRPr sz="1003"/>
+            <a:lvl7pPr marL="2194560" indent="0" algn="ctr">
+              <a:buNone/>
+              <a:defRPr sz="1280"/>
             </a:lvl7pPr>
-            <a:lvl8pPr marL="2005371" indent="0" algn="ctr">
-              <a:buNone/>
-              <a:defRPr sz="1003"/>
+            <a:lvl8pPr marL="2560320" indent="0" algn="ctr">
+              <a:buNone/>
+              <a:defRPr sz="1280"/>
             </a:lvl8pPr>
-            <a:lvl9pPr marL="2291852" indent="0" algn="ctr">
-              <a:buNone/>
-              <a:defRPr sz="1003"/>
+            <a:lvl9pPr marL="2926080" indent="0" algn="ctr">
+              <a:buNone/>
+              <a:defRPr sz="1280"/>
             </a:lvl9pPr>
           </a:lstStyle>
           <a:p>
@@ -289,7 +294,7 @@
     </p:spTree>
     <p:extLst>
       <p:ext uri="{BB962C8B-B14F-4D97-AF65-F5344CB8AC3E}">
-        <p14:creationId xmlns:p14="http://schemas.microsoft.com/office/powerpoint/2010/main" val="4283354913"/>
+        <p14:creationId xmlns:p14="http://schemas.microsoft.com/office/powerpoint/2010/main" val="1443674898"/>
       </p:ext>
     </p:extLst>
   </p:cSld>
@@ -459,7 +464,7 @@
     </p:spTree>
     <p:extLst>
       <p:ext uri="{BB962C8B-B14F-4D97-AF65-F5344CB8AC3E}">
-        <p14:creationId xmlns:p14="http://schemas.microsoft.com/office/powerpoint/2010/main" val="4046930130"/>
+        <p14:creationId xmlns:p14="http://schemas.microsoft.com/office/powerpoint/2010/main" val="1216296231"/>
       </p:ext>
     </p:extLst>
   </p:cSld>
@@ -498,8 +503,8 @@
         </p:nvSpPr>
         <p:spPr>
           <a:xfrm>
-            <a:off x="8724900" y="228795"/>
-            <a:ext cx="2628900" cy="3641817"/>
+            <a:off x="5234940" y="486834"/>
+            <a:ext cx="1577340" cy="7749117"/>
           </a:xfrm>
         </p:spPr>
         <p:txBody>
@@ -526,8 +531,8 @@
         </p:nvSpPr>
         <p:spPr>
           <a:xfrm>
-            <a:off x="838200" y="228795"/>
-            <a:ext cx="7734300" cy="3641817"/>
+            <a:off x="502920" y="486834"/>
+            <a:ext cx="4640580" cy="7749117"/>
           </a:xfrm>
         </p:spPr>
         <p:txBody>
@@ -639,7 +644,7 @@
     </p:spTree>
     <p:extLst>
       <p:ext uri="{BB962C8B-B14F-4D97-AF65-F5344CB8AC3E}">
-        <p14:creationId xmlns:p14="http://schemas.microsoft.com/office/powerpoint/2010/main" val="4036490319"/>
+        <p14:creationId xmlns:p14="http://schemas.microsoft.com/office/powerpoint/2010/main" val="360694216"/>
       </p:ext>
     </p:extLst>
   </p:cSld>
@@ -809,7 +814,7 @@
     </p:spTree>
     <p:extLst>
       <p:ext uri="{BB962C8B-B14F-4D97-AF65-F5344CB8AC3E}">
-        <p14:creationId xmlns:p14="http://schemas.microsoft.com/office/powerpoint/2010/main" val="3293850980"/>
+        <p14:creationId xmlns:p14="http://schemas.microsoft.com/office/powerpoint/2010/main" val="2771696346"/>
       </p:ext>
     </p:extLst>
   </p:cSld>
@@ -848,15 +853,15 @@
         </p:nvSpPr>
         <p:spPr>
           <a:xfrm>
-            <a:off x="831850" y="1071357"/>
-            <a:ext cx="10515600" cy="1787583"/>
+            <a:off x="499110" y="2279653"/>
+            <a:ext cx="6309360" cy="3803649"/>
           </a:xfrm>
         </p:spPr>
         <p:txBody>
           <a:bodyPr anchor="b"/>
           <a:lstStyle>
             <a:lvl1pPr>
-              <a:defRPr sz="3760"/>
+              <a:defRPr sz="4800"/>
             </a:lvl1pPr>
           </a:lstStyle>
           <a:p>
@@ -880,8 +885,8 @@
         </p:nvSpPr>
         <p:spPr>
           <a:xfrm>
-            <a:off x="831850" y="2875852"/>
-            <a:ext cx="10515600" cy="940048"/>
+            <a:off x="499110" y="6119286"/>
+            <a:ext cx="6309360" cy="2000249"/>
           </a:xfrm>
         </p:spPr>
         <p:txBody>
@@ -889,17 +894,15 @@
           <a:lstStyle>
             <a:lvl1pPr marL="0" indent="0">
               <a:buNone/>
-              <a:defRPr sz="1504">
+              <a:defRPr sz="1920">
                 <a:solidFill>
-                  <a:schemeClr val="tx1">
-                    <a:tint val="75000"/>
-                  </a:schemeClr>
+                  <a:schemeClr val="tx1"/>
                 </a:solidFill>
               </a:defRPr>
             </a:lvl1pPr>
-            <a:lvl2pPr marL="286482" indent="0">
-              <a:buNone/>
-              <a:defRPr sz="1253">
+            <a:lvl2pPr marL="365760" indent="0">
+              <a:buNone/>
+              <a:defRPr sz="1600">
                 <a:solidFill>
                   <a:schemeClr val="tx1">
                     <a:tint val="75000"/>
@@ -907,9 +910,9 @@
                 </a:solidFill>
               </a:defRPr>
             </a:lvl2pPr>
-            <a:lvl3pPr marL="572963" indent="0">
-              <a:buNone/>
-              <a:defRPr sz="1128">
+            <a:lvl3pPr marL="731520" indent="0">
+              <a:buNone/>
+              <a:defRPr sz="1440">
                 <a:solidFill>
                   <a:schemeClr val="tx1">
                     <a:tint val="75000"/>
@@ -917,9 +920,9 @@
                 </a:solidFill>
               </a:defRPr>
             </a:lvl3pPr>
-            <a:lvl4pPr marL="859445" indent="0">
-              <a:buNone/>
-              <a:defRPr sz="1003">
+            <a:lvl4pPr marL="1097280" indent="0">
+              <a:buNone/>
+              <a:defRPr sz="1280">
                 <a:solidFill>
                   <a:schemeClr val="tx1">
                     <a:tint val="75000"/>
@@ -927,9 +930,9 @@
                 </a:solidFill>
               </a:defRPr>
             </a:lvl4pPr>
-            <a:lvl5pPr marL="1145926" indent="0">
-              <a:buNone/>
-              <a:defRPr sz="1003">
+            <a:lvl5pPr marL="1463040" indent="0">
+              <a:buNone/>
+              <a:defRPr sz="1280">
                 <a:solidFill>
                   <a:schemeClr val="tx1">
                     <a:tint val="75000"/>
@@ -937,9 +940,9 @@
                 </a:solidFill>
               </a:defRPr>
             </a:lvl5pPr>
-            <a:lvl6pPr marL="1432408" indent="0">
-              <a:buNone/>
-              <a:defRPr sz="1003">
+            <a:lvl6pPr marL="1828800" indent="0">
+              <a:buNone/>
+              <a:defRPr sz="1280">
                 <a:solidFill>
                   <a:schemeClr val="tx1">
                     <a:tint val="75000"/>
@@ -947,9 +950,9 @@
                 </a:solidFill>
               </a:defRPr>
             </a:lvl6pPr>
-            <a:lvl7pPr marL="1718889" indent="0">
-              <a:buNone/>
-              <a:defRPr sz="1003">
+            <a:lvl7pPr marL="2194560" indent="0">
+              <a:buNone/>
+              <a:defRPr sz="1280">
                 <a:solidFill>
                   <a:schemeClr val="tx1">
                     <a:tint val="75000"/>
@@ -957,9 +960,9 @@
                 </a:solidFill>
               </a:defRPr>
             </a:lvl7pPr>
-            <a:lvl8pPr marL="2005371" indent="0">
-              <a:buNone/>
-              <a:defRPr sz="1003">
+            <a:lvl8pPr marL="2560320" indent="0">
+              <a:buNone/>
+              <a:defRPr sz="1280">
                 <a:solidFill>
                   <a:schemeClr val="tx1">
                     <a:tint val="75000"/>
@@ -967,9 +970,9 @@
                 </a:solidFill>
               </a:defRPr>
             </a:lvl8pPr>
-            <a:lvl9pPr marL="2291852" indent="0">
-              <a:buNone/>
-              <a:defRPr sz="1003">
+            <a:lvl9pPr marL="2926080" indent="0">
+              <a:buNone/>
+              <a:defRPr sz="1280">
                 <a:solidFill>
                   <a:schemeClr val="tx1">
                     <a:tint val="75000"/>
@@ -1055,7 +1058,7 @@
     </p:spTree>
     <p:extLst>
       <p:ext uri="{BB962C8B-B14F-4D97-AF65-F5344CB8AC3E}">
-        <p14:creationId xmlns:p14="http://schemas.microsoft.com/office/powerpoint/2010/main" val="1448559875"/>
+        <p14:creationId xmlns:p14="http://schemas.microsoft.com/office/powerpoint/2010/main" val="228827396"/>
       </p:ext>
     </p:extLst>
   </p:cSld>
@@ -1117,8 +1120,8 @@
         </p:nvSpPr>
         <p:spPr>
           <a:xfrm>
-            <a:off x="838200" y="1143974"/>
-            <a:ext cx="5181600" cy="2726637"/>
+            <a:off x="502920" y="2434167"/>
+            <a:ext cx="3108960" cy="5801784"/>
           </a:xfrm>
         </p:spPr>
         <p:txBody>
@@ -1174,8 +1177,8 @@
         </p:nvSpPr>
         <p:spPr>
           <a:xfrm>
-            <a:off x="6172200" y="1143974"/>
-            <a:ext cx="5181600" cy="2726637"/>
+            <a:off x="3703320" y="2434167"/>
+            <a:ext cx="3108960" cy="5801784"/>
           </a:xfrm>
         </p:spPr>
         <p:txBody>
@@ -1287,7 +1290,7 @@
     </p:spTree>
     <p:extLst>
       <p:ext uri="{BB962C8B-B14F-4D97-AF65-F5344CB8AC3E}">
-        <p14:creationId xmlns:p14="http://schemas.microsoft.com/office/powerpoint/2010/main" val="1453811482"/>
+        <p14:creationId xmlns:p14="http://schemas.microsoft.com/office/powerpoint/2010/main" val="360278076"/>
       </p:ext>
     </p:extLst>
   </p:cSld>
@@ -1326,8 +1329,8 @@
         </p:nvSpPr>
         <p:spPr>
           <a:xfrm>
-            <a:off x="839788" y="228795"/>
-            <a:ext cx="10515600" cy="830625"/>
+            <a:off x="503873" y="486836"/>
+            <a:ext cx="6309360" cy="1767417"/>
           </a:xfrm>
         </p:spPr>
         <p:txBody>
@@ -1354,8 +1357,8 @@
         </p:nvSpPr>
         <p:spPr>
           <a:xfrm>
-            <a:off x="839789" y="1053451"/>
-            <a:ext cx="5157787" cy="516280"/>
+            <a:off x="503874" y="2241551"/>
+            <a:ext cx="3094672" cy="1098549"/>
           </a:xfrm>
         </p:spPr>
         <p:txBody>
@@ -1363,39 +1366,39 @@
           <a:lstStyle>
             <a:lvl1pPr marL="0" indent="0">
               <a:buNone/>
-              <a:defRPr sz="1504" b="1"/>
+              <a:defRPr sz="1920" b="1"/>
             </a:lvl1pPr>
-            <a:lvl2pPr marL="286482" indent="0">
-              <a:buNone/>
-              <a:defRPr sz="1253" b="1"/>
+            <a:lvl2pPr marL="365760" indent="0">
+              <a:buNone/>
+              <a:defRPr sz="1600" b="1"/>
             </a:lvl2pPr>
-            <a:lvl3pPr marL="572963" indent="0">
-              <a:buNone/>
-              <a:defRPr sz="1128" b="1"/>
+            <a:lvl3pPr marL="731520" indent="0">
+              <a:buNone/>
+              <a:defRPr sz="1440" b="1"/>
             </a:lvl3pPr>
-            <a:lvl4pPr marL="859445" indent="0">
-              <a:buNone/>
-              <a:defRPr sz="1003" b="1"/>
+            <a:lvl4pPr marL="1097280" indent="0">
+              <a:buNone/>
+              <a:defRPr sz="1280" b="1"/>
             </a:lvl4pPr>
-            <a:lvl5pPr marL="1145926" indent="0">
-              <a:buNone/>
-              <a:defRPr sz="1003" b="1"/>
+            <a:lvl5pPr marL="1463040" indent="0">
+              <a:buNone/>
+              <a:defRPr sz="1280" b="1"/>
             </a:lvl5pPr>
-            <a:lvl6pPr marL="1432408" indent="0">
-              <a:buNone/>
-              <a:defRPr sz="1003" b="1"/>
+            <a:lvl6pPr marL="1828800" indent="0">
+              <a:buNone/>
+              <a:defRPr sz="1280" b="1"/>
             </a:lvl6pPr>
-            <a:lvl7pPr marL="1718889" indent="0">
-              <a:buNone/>
-              <a:defRPr sz="1003" b="1"/>
+            <a:lvl7pPr marL="2194560" indent="0">
+              <a:buNone/>
+              <a:defRPr sz="1280" b="1"/>
             </a:lvl7pPr>
-            <a:lvl8pPr marL="2005371" indent="0">
-              <a:buNone/>
-              <a:defRPr sz="1003" b="1"/>
+            <a:lvl8pPr marL="2560320" indent="0">
+              <a:buNone/>
+              <a:defRPr sz="1280" b="1"/>
             </a:lvl8pPr>
-            <a:lvl9pPr marL="2291852" indent="0">
-              <a:buNone/>
-              <a:defRPr sz="1003" b="1"/>
+            <a:lvl9pPr marL="2926080" indent="0">
+              <a:buNone/>
+              <a:defRPr sz="1280" b="1"/>
             </a:lvl9pPr>
           </a:lstStyle>
           <a:p>
@@ -1419,8 +1422,8 @@
         </p:nvSpPr>
         <p:spPr>
           <a:xfrm>
-            <a:off x="839789" y="1569731"/>
-            <a:ext cx="5157787" cy="2308838"/>
+            <a:off x="503874" y="3340100"/>
+            <a:ext cx="3094672" cy="4912784"/>
           </a:xfrm>
         </p:spPr>
         <p:txBody>
@@ -1476,8 +1479,8 @@
         </p:nvSpPr>
         <p:spPr>
           <a:xfrm>
-            <a:off x="6172200" y="1053451"/>
-            <a:ext cx="5183188" cy="516280"/>
+            <a:off x="3703320" y="2241551"/>
+            <a:ext cx="3109913" cy="1098549"/>
           </a:xfrm>
         </p:spPr>
         <p:txBody>
@@ -1485,39 +1488,39 @@
           <a:lstStyle>
             <a:lvl1pPr marL="0" indent="0">
               <a:buNone/>
-              <a:defRPr sz="1504" b="1"/>
+              <a:defRPr sz="1920" b="1"/>
             </a:lvl1pPr>
-            <a:lvl2pPr marL="286482" indent="0">
-              <a:buNone/>
-              <a:defRPr sz="1253" b="1"/>
+            <a:lvl2pPr marL="365760" indent="0">
+              <a:buNone/>
+              <a:defRPr sz="1600" b="1"/>
             </a:lvl2pPr>
-            <a:lvl3pPr marL="572963" indent="0">
-              <a:buNone/>
-              <a:defRPr sz="1128" b="1"/>
+            <a:lvl3pPr marL="731520" indent="0">
+              <a:buNone/>
+              <a:defRPr sz="1440" b="1"/>
             </a:lvl3pPr>
-            <a:lvl4pPr marL="859445" indent="0">
-              <a:buNone/>
-              <a:defRPr sz="1003" b="1"/>
+            <a:lvl4pPr marL="1097280" indent="0">
+              <a:buNone/>
+              <a:defRPr sz="1280" b="1"/>
             </a:lvl4pPr>
-            <a:lvl5pPr marL="1145926" indent="0">
-              <a:buNone/>
-              <a:defRPr sz="1003" b="1"/>
+            <a:lvl5pPr marL="1463040" indent="0">
+              <a:buNone/>
+              <a:defRPr sz="1280" b="1"/>
             </a:lvl5pPr>
-            <a:lvl6pPr marL="1432408" indent="0">
-              <a:buNone/>
-              <a:defRPr sz="1003" b="1"/>
+            <a:lvl6pPr marL="1828800" indent="0">
+              <a:buNone/>
+              <a:defRPr sz="1280" b="1"/>
             </a:lvl6pPr>
-            <a:lvl7pPr marL="1718889" indent="0">
-              <a:buNone/>
-              <a:defRPr sz="1003" b="1"/>
+            <a:lvl7pPr marL="2194560" indent="0">
+              <a:buNone/>
+              <a:defRPr sz="1280" b="1"/>
             </a:lvl7pPr>
-            <a:lvl8pPr marL="2005371" indent="0">
-              <a:buNone/>
-              <a:defRPr sz="1003" b="1"/>
+            <a:lvl8pPr marL="2560320" indent="0">
+              <a:buNone/>
+              <a:defRPr sz="1280" b="1"/>
             </a:lvl8pPr>
-            <a:lvl9pPr marL="2291852" indent="0">
-              <a:buNone/>
-              <a:defRPr sz="1003" b="1"/>
+            <a:lvl9pPr marL="2926080" indent="0">
+              <a:buNone/>
+              <a:defRPr sz="1280" b="1"/>
             </a:lvl9pPr>
           </a:lstStyle>
           <a:p>
@@ -1541,8 +1544,8 @@
         </p:nvSpPr>
         <p:spPr>
           <a:xfrm>
-            <a:off x="6172200" y="1569731"/>
-            <a:ext cx="5183188" cy="2308838"/>
+            <a:off x="3703320" y="3340100"/>
+            <a:ext cx="3109913" cy="4912784"/>
           </a:xfrm>
         </p:spPr>
         <p:txBody>
@@ -1654,7 +1657,7 @@
     </p:spTree>
     <p:extLst>
       <p:ext uri="{BB962C8B-B14F-4D97-AF65-F5344CB8AC3E}">
-        <p14:creationId xmlns:p14="http://schemas.microsoft.com/office/powerpoint/2010/main" val="809054072"/>
+        <p14:creationId xmlns:p14="http://schemas.microsoft.com/office/powerpoint/2010/main" val="321028460"/>
       </p:ext>
     </p:extLst>
   </p:cSld>
@@ -1772,7 +1775,7 @@
     </p:spTree>
     <p:extLst>
       <p:ext uri="{BB962C8B-B14F-4D97-AF65-F5344CB8AC3E}">
-        <p14:creationId xmlns:p14="http://schemas.microsoft.com/office/powerpoint/2010/main" val="2492719905"/>
+        <p14:creationId xmlns:p14="http://schemas.microsoft.com/office/powerpoint/2010/main" val="1807265217"/>
       </p:ext>
     </p:extLst>
   </p:cSld>
@@ -1867,7 +1870,7 @@
     </p:spTree>
     <p:extLst>
       <p:ext uri="{BB962C8B-B14F-4D97-AF65-F5344CB8AC3E}">
-        <p14:creationId xmlns:p14="http://schemas.microsoft.com/office/powerpoint/2010/main" val="425590444"/>
+        <p14:creationId xmlns:p14="http://schemas.microsoft.com/office/powerpoint/2010/main" val="2866742873"/>
       </p:ext>
     </p:extLst>
   </p:cSld>
@@ -1906,15 +1909,15 @@
         </p:nvSpPr>
         <p:spPr>
           <a:xfrm>
-            <a:off x="839789" y="286491"/>
-            <a:ext cx="3932237" cy="1002718"/>
+            <a:off x="503873" y="609600"/>
+            <a:ext cx="2359342" cy="2133600"/>
           </a:xfrm>
         </p:spPr>
         <p:txBody>
           <a:bodyPr anchor="b"/>
           <a:lstStyle>
             <a:lvl1pPr>
-              <a:defRPr sz="2005"/>
+              <a:defRPr sz="2560"/>
             </a:lvl1pPr>
           </a:lstStyle>
           <a:p>
@@ -1938,39 +1941,39 @@
         </p:nvSpPr>
         <p:spPr>
           <a:xfrm>
-            <a:off x="5183188" y="618741"/>
-            <a:ext cx="6172200" cy="3053913"/>
+            <a:off x="3109913" y="1316569"/>
+            <a:ext cx="3703320" cy="6498167"/>
           </a:xfrm>
         </p:spPr>
         <p:txBody>
           <a:bodyPr/>
           <a:lstStyle>
             <a:lvl1pPr>
-              <a:defRPr sz="2005"/>
+              <a:defRPr sz="2560"/>
             </a:lvl1pPr>
             <a:lvl2pPr>
-              <a:defRPr sz="1754"/>
+              <a:defRPr sz="2240"/>
             </a:lvl2pPr>
             <a:lvl3pPr>
-              <a:defRPr sz="1504"/>
+              <a:defRPr sz="1920"/>
             </a:lvl3pPr>
             <a:lvl4pPr>
-              <a:defRPr sz="1253"/>
+              <a:defRPr sz="1600"/>
             </a:lvl4pPr>
             <a:lvl5pPr>
-              <a:defRPr sz="1253"/>
+              <a:defRPr sz="1600"/>
             </a:lvl5pPr>
             <a:lvl6pPr>
-              <a:defRPr sz="1253"/>
+              <a:defRPr sz="1600"/>
             </a:lvl6pPr>
             <a:lvl7pPr>
-              <a:defRPr sz="1253"/>
+              <a:defRPr sz="1600"/>
             </a:lvl7pPr>
             <a:lvl8pPr>
-              <a:defRPr sz="1253"/>
+              <a:defRPr sz="1600"/>
             </a:lvl8pPr>
             <a:lvl9pPr>
-              <a:defRPr sz="1253"/>
+              <a:defRPr sz="1600"/>
             </a:lvl9pPr>
           </a:lstStyle>
           <a:p>
@@ -2023,8 +2026,8 @@
         </p:nvSpPr>
         <p:spPr>
           <a:xfrm>
-            <a:off x="839789" y="1289209"/>
-            <a:ext cx="3932237" cy="2388419"/>
+            <a:off x="503873" y="2743200"/>
+            <a:ext cx="2359342" cy="5082117"/>
           </a:xfrm>
         </p:spPr>
         <p:txBody>
@@ -2032,39 +2035,39 @@
           <a:lstStyle>
             <a:lvl1pPr marL="0" indent="0">
               <a:buNone/>
-              <a:defRPr sz="1003"/>
+              <a:defRPr sz="1280"/>
             </a:lvl1pPr>
-            <a:lvl2pPr marL="286482" indent="0">
-              <a:buNone/>
-              <a:defRPr sz="877"/>
+            <a:lvl2pPr marL="365760" indent="0">
+              <a:buNone/>
+              <a:defRPr sz="1120"/>
             </a:lvl2pPr>
-            <a:lvl3pPr marL="572963" indent="0">
-              <a:buNone/>
-              <a:defRPr sz="752"/>
+            <a:lvl3pPr marL="731520" indent="0">
+              <a:buNone/>
+              <a:defRPr sz="960"/>
             </a:lvl3pPr>
-            <a:lvl4pPr marL="859445" indent="0">
-              <a:buNone/>
-              <a:defRPr sz="627"/>
+            <a:lvl4pPr marL="1097280" indent="0">
+              <a:buNone/>
+              <a:defRPr sz="800"/>
             </a:lvl4pPr>
-            <a:lvl5pPr marL="1145926" indent="0">
-              <a:buNone/>
-              <a:defRPr sz="627"/>
+            <a:lvl5pPr marL="1463040" indent="0">
+              <a:buNone/>
+              <a:defRPr sz="800"/>
             </a:lvl5pPr>
-            <a:lvl6pPr marL="1432408" indent="0">
-              <a:buNone/>
-              <a:defRPr sz="627"/>
+            <a:lvl6pPr marL="1828800" indent="0">
+              <a:buNone/>
+              <a:defRPr sz="800"/>
             </a:lvl6pPr>
-            <a:lvl7pPr marL="1718889" indent="0">
-              <a:buNone/>
-              <a:defRPr sz="627"/>
+            <a:lvl7pPr marL="2194560" indent="0">
+              <a:buNone/>
+              <a:defRPr sz="800"/>
             </a:lvl7pPr>
-            <a:lvl8pPr marL="2005371" indent="0">
-              <a:buNone/>
-              <a:defRPr sz="627"/>
+            <a:lvl8pPr marL="2560320" indent="0">
+              <a:buNone/>
+              <a:defRPr sz="800"/>
             </a:lvl8pPr>
-            <a:lvl9pPr marL="2291852" indent="0">
-              <a:buNone/>
-              <a:defRPr sz="627"/>
+            <a:lvl9pPr marL="2926080" indent="0">
+              <a:buNone/>
+              <a:defRPr sz="800"/>
             </a:lvl9pPr>
           </a:lstStyle>
           <a:p>
@@ -2144,7 +2147,7 @@
     </p:spTree>
     <p:extLst>
       <p:ext uri="{BB962C8B-B14F-4D97-AF65-F5344CB8AC3E}">
-        <p14:creationId xmlns:p14="http://schemas.microsoft.com/office/powerpoint/2010/main" val="1768559359"/>
+        <p14:creationId xmlns:p14="http://schemas.microsoft.com/office/powerpoint/2010/main" val="1834542270"/>
       </p:ext>
     </p:extLst>
   </p:cSld>
@@ -2183,15 +2186,15 @@
         </p:nvSpPr>
         <p:spPr>
           <a:xfrm>
-            <a:off x="839789" y="286491"/>
-            <a:ext cx="3932237" cy="1002718"/>
+            <a:off x="503873" y="609600"/>
+            <a:ext cx="2359342" cy="2133600"/>
           </a:xfrm>
         </p:spPr>
         <p:txBody>
           <a:bodyPr anchor="b"/>
           <a:lstStyle>
             <a:lvl1pPr>
-              <a:defRPr sz="2005"/>
+              <a:defRPr sz="2560"/>
             </a:lvl1pPr>
           </a:lstStyle>
           <a:p>
@@ -2215,8 +2218,8 @@
         </p:nvSpPr>
         <p:spPr>
           <a:xfrm>
-            <a:off x="5183188" y="618741"/>
-            <a:ext cx="6172200" cy="3053913"/>
+            <a:off x="3109913" y="1316569"/>
+            <a:ext cx="3703320" cy="6498167"/>
           </a:xfrm>
         </p:spPr>
         <p:txBody>
@@ -2224,39 +2227,39 @@
           <a:lstStyle>
             <a:lvl1pPr marL="0" indent="0">
               <a:buNone/>
-              <a:defRPr sz="2005"/>
+              <a:defRPr sz="2560"/>
             </a:lvl1pPr>
-            <a:lvl2pPr marL="286482" indent="0">
-              <a:buNone/>
-              <a:defRPr sz="1754"/>
+            <a:lvl2pPr marL="365760" indent="0">
+              <a:buNone/>
+              <a:defRPr sz="2240"/>
             </a:lvl2pPr>
-            <a:lvl3pPr marL="572963" indent="0">
-              <a:buNone/>
-              <a:defRPr sz="1504"/>
+            <a:lvl3pPr marL="731520" indent="0">
+              <a:buNone/>
+              <a:defRPr sz="1920"/>
             </a:lvl3pPr>
-            <a:lvl4pPr marL="859445" indent="0">
-              <a:buNone/>
-              <a:defRPr sz="1253"/>
+            <a:lvl4pPr marL="1097280" indent="0">
+              <a:buNone/>
+              <a:defRPr sz="1600"/>
             </a:lvl4pPr>
-            <a:lvl5pPr marL="1145926" indent="0">
-              <a:buNone/>
-              <a:defRPr sz="1253"/>
+            <a:lvl5pPr marL="1463040" indent="0">
+              <a:buNone/>
+              <a:defRPr sz="1600"/>
             </a:lvl5pPr>
-            <a:lvl6pPr marL="1432408" indent="0">
-              <a:buNone/>
-              <a:defRPr sz="1253"/>
+            <a:lvl6pPr marL="1828800" indent="0">
+              <a:buNone/>
+              <a:defRPr sz="1600"/>
             </a:lvl6pPr>
-            <a:lvl7pPr marL="1718889" indent="0">
-              <a:buNone/>
-              <a:defRPr sz="1253"/>
+            <a:lvl7pPr marL="2194560" indent="0">
+              <a:buNone/>
+              <a:defRPr sz="1600"/>
             </a:lvl7pPr>
-            <a:lvl8pPr marL="2005371" indent="0">
-              <a:buNone/>
-              <a:defRPr sz="1253"/>
+            <a:lvl8pPr marL="2560320" indent="0">
+              <a:buNone/>
+              <a:defRPr sz="1600"/>
             </a:lvl8pPr>
-            <a:lvl9pPr marL="2291852" indent="0">
-              <a:buNone/>
-              <a:defRPr sz="1253"/>
+            <a:lvl9pPr marL="2926080" indent="0">
+              <a:buNone/>
+              <a:defRPr sz="1600"/>
             </a:lvl9pPr>
           </a:lstStyle>
           <a:p>
@@ -2280,8 +2283,8 @@
         </p:nvSpPr>
         <p:spPr>
           <a:xfrm>
-            <a:off x="839789" y="1289209"/>
-            <a:ext cx="3932237" cy="2388419"/>
+            <a:off x="503873" y="2743200"/>
+            <a:ext cx="2359342" cy="5082117"/>
           </a:xfrm>
         </p:spPr>
         <p:txBody>
@@ -2289,39 +2292,39 @@
           <a:lstStyle>
             <a:lvl1pPr marL="0" indent="0">
               <a:buNone/>
-              <a:defRPr sz="1003"/>
+              <a:defRPr sz="1280"/>
             </a:lvl1pPr>
-            <a:lvl2pPr marL="286482" indent="0">
-              <a:buNone/>
-              <a:defRPr sz="877"/>
+            <a:lvl2pPr marL="365760" indent="0">
+              <a:buNone/>
+              <a:defRPr sz="1120"/>
             </a:lvl2pPr>
-            <a:lvl3pPr marL="572963" indent="0">
-              <a:buNone/>
-              <a:defRPr sz="752"/>
+            <a:lvl3pPr marL="731520" indent="0">
+              <a:buNone/>
+              <a:defRPr sz="960"/>
             </a:lvl3pPr>
-            <a:lvl4pPr marL="859445" indent="0">
-              <a:buNone/>
-              <a:defRPr sz="627"/>
+            <a:lvl4pPr marL="1097280" indent="0">
+              <a:buNone/>
+              <a:defRPr sz="800"/>
             </a:lvl4pPr>
-            <a:lvl5pPr marL="1145926" indent="0">
-              <a:buNone/>
-              <a:defRPr sz="627"/>
+            <a:lvl5pPr marL="1463040" indent="0">
+              <a:buNone/>
+              <a:defRPr sz="800"/>
             </a:lvl5pPr>
-            <a:lvl6pPr marL="1432408" indent="0">
-              <a:buNone/>
-              <a:defRPr sz="627"/>
+            <a:lvl6pPr marL="1828800" indent="0">
+              <a:buNone/>
+              <a:defRPr sz="800"/>
             </a:lvl6pPr>
-            <a:lvl7pPr marL="1718889" indent="0">
-              <a:buNone/>
-              <a:defRPr sz="627"/>
+            <a:lvl7pPr marL="2194560" indent="0">
+              <a:buNone/>
+              <a:defRPr sz="800"/>
             </a:lvl7pPr>
-            <a:lvl8pPr marL="2005371" indent="0">
-              <a:buNone/>
-              <a:defRPr sz="627"/>
+            <a:lvl8pPr marL="2560320" indent="0">
+              <a:buNone/>
+              <a:defRPr sz="800"/>
             </a:lvl8pPr>
-            <a:lvl9pPr marL="2291852" indent="0">
-              <a:buNone/>
-              <a:defRPr sz="627"/>
+            <a:lvl9pPr marL="2926080" indent="0">
+              <a:buNone/>
+              <a:defRPr sz="800"/>
             </a:lvl9pPr>
           </a:lstStyle>
           <a:p>
@@ -2401,7 +2404,7 @@
     </p:spTree>
     <p:extLst>
       <p:ext uri="{BB962C8B-B14F-4D97-AF65-F5344CB8AC3E}">
-        <p14:creationId xmlns:p14="http://schemas.microsoft.com/office/powerpoint/2010/main" val="2846731069"/>
+        <p14:creationId xmlns:p14="http://schemas.microsoft.com/office/powerpoint/2010/main" val="1741236652"/>
       </p:ext>
     </p:extLst>
   </p:cSld>
@@ -2445,8 +2448,8 @@
         </p:nvSpPr>
         <p:spPr>
           <a:xfrm>
-            <a:off x="838200" y="228795"/>
-            <a:ext cx="10515600" cy="830625"/>
+            <a:off x="502920" y="486836"/>
+            <a:ext cx="6309360" cy="1767417"/>
           </a:xfrm>
           <a:prstGeom prst="rect">
             <a:avLst/>
@@ -2478,8 +2481,8 @@
         </p:nvSpPr>
         <p:spPr>
           <a:xfrm>
-            <a:off x="838200" y="1143974"/>
-            <a:ext cx="10515600" cy="2726637"/>
+            <a:off x="502920" y="2434167"/>
+            <a:ext cx="6309360" cy="5801784"/>
           </a:xfrm>
           <a:prstGeom prst="rect">
             <a:avLst/>
@@ -2540,8 +2543,8 @@
         </p:nvSpPr>
         <p:spPr>
           <a:xfrm>
-            <a:off x="838200" y="3983019"/>
-            <a:ext cx="2743200" cy="228795"/>
+            <a:off x="502920" y="8475136"/>
+            <a:ext cx="1645920" cy="486833"/>
           </a:xfrm>
           <a:prstGeom prst="rect">
             <a:avLst/>
@@ -2551,7 +2554,7 @@
           <a:bodyPr vert="horz" lIns="91440" tIns="45720" rIns="91440" bIns="45720" rtlCol="0" anchor="ctr"/>
           <a:lstStyle>
             <a:lvl1pPr algn="l">
-              <a:defRPr sz="752">
+              <a:defRPr sz="960">
                 <a:solidFill>
                   <a:schemeClr val="tx1">
                     <a:tint val="75000"/>
@@ -2581,8 +2584,8 @@
         </p:nvSpPr>
         <p:spPr>
           <a:xfrm>
-            <a:off x="4038600" y="3983019"/>
-            <a:ext cx="4114800" cy="228795"/>
+            <a:off x="2423160" y="8475136"/>
+            <a:ext cx="2468880" cy="486833"/>
           </a:xfrm>
           <a:prstGeom prst="rect">
             <a:avLst/>
@@ -2592,7 +2595,7 @@
           <a:bodyPr vert="horz" lIns="91440" tIns="45720" rIns="91440" bIns="45720" rtlCol="0" anchor="ctr"/>
           <a:lstStyle>
             <a:lvl1pPr algn="ctr">
-              <a:defRPr sz="752">
+              <a:defRPr sz="960">
                 <a:solidFill>
                   <a:schemeClr val="tx1">
                     <a:tint val="75000"/>
@@ -2618,8 +2621,8 @@
         </p:nvSpPr>
         <p:spPr>
           <a:xfrm>
-            <a:off x="8610600" y="3983019"/>
-            <a:ext cx="2743200" cy="228795"/>
+            <a:off x="5166360" y="8475136"/>
+            <a:ext cx="1645920" cy="486833"/>
           </a:xfrm>
           <a:prstGeom prst="rect">
             <a:avLst/>
@@ -2629,7 +2632,7 @@
           <a:bodyPr vert="horz" lIns="91440" tIns="45720" rIns="91440" bIns="45720" rtlCol="0" anchor="ctr"/>
           <a:lstStyle>
             <a:lvl1pPr algn="r">
-              <a:defRPr sz="752">
+              <a:defRPr sz="960">
                 <a:solidFill>
                   <a:schemeClr val="tx1">
                     <a:tint val="75000"/>
@@ -2650,27 +2653,27 @@
     </p:spTree>
     <p:extLst>
       <p:ext uri="{BB962C8B-B14F-4D97-AF65-F5344CB8AC3E}">
-        <p14:creationId xmlns:p14="http://schemas.microsoft.com/office/powerpoint/2010/main" val="1432888036"/>
+        <p14:creationId xmlns:p14="http://schemas.microsoft.com/office/powerpoint/2010/main" val="388063494"/>
       </p:ext>
     </p:extLst>
   </p:cSld>
   <p:clrMap bg1="lt1" tx1="dk1" bg2="lt2" tx2="dk2" accent1="accent1" accent2="accent2" accent3="accent3" accent4="accent4" accent5="accent5" accent6="accent6" hlink="hlink" folHlink="folHlink"/>
   <p:sldLayoutIdLst>
-    <p:sldLayoutId id="2147483673" r:id="rId1"/>
-    <p:sldLayoutId id="2147483674" r:id="rId2"/>
-    <p:sldLayoutId id="2147483675" r:id="rId3"/>
-    <p:sldLayoutId id="2147483676" r:id="rId4"/>
-    <p:sldLayoutId id="2147483677" r:id="rId5"/>
-    <p:sldLayoutId id="2147483678" r:id="rId6"/>
-    <p:sldLayoutId id="2147483679" r:id="rId7"/>
-    <p:sldLayoutId id="2147483680" r:id="rId8"/>
-    <p:sldLayoutId id="2147483681" r:id="rId9"/>
-    <p:sldLayoutId id="2147483682" r:id="rId10"/>
-    <p:sldLayoutId id="2147483683" r:id="rId11"/>
+    <p:sldLayoutId id="2147483721" r:id="rId1"/>
+    <p:sldLayoutId id="2147483722" r:id="rId2"/>
+    <p:sldLayoutId id="2147483723" r:id="rId3"/>
+    <p:sldLayoutId id="2147483724" r:id="rId4"/>
+    <p:sldLayoutId id="2147483725" r:id="rId5"/>
+    <p:sldLayoutId id="2147483726" r:id="rId6"/>
+    <p:sldLayoutId id="2147483727" r:id="rId7"/>
+    <p:sldLayoutId id="2147483728" r:id="rId8"/>
+    <p:sldLayoutId id="2147483729" r:id="rId9"/>
+    <p:sldLayoutId id="2147483730" r:id="rId10"/>
+    <p:sldLayoutId id="2147483731" r:id="rId11"/>
   </p:sldLayoutIdLst>
   <p:txStyles>
     <p:titleStyle>
-      <a:lvl1pPr algn="l" defTabSz="572963" rtl="0" eaLnBrk="1" latinLnBrk="0" hangingPunct="1">
+      <a:lvl1pPr algn="l" defTabSz="731520" rtl="0" eaLnBrk="1" latinLnBrk="0" hangingPunct="1">
         <a:lnSpc>
           <a:spcPct val="90000"/>
         </a:lnSpc>
@@ -2678,7 +2681,7 @@
           <a:spcPct val="0"/>
         </a:spcBef>
         <a:buNone/>
-        <a:defRPr sz="2757" kern="1200">
+        <a:defRPr sz="3520" kern="1200">
           <a:solidFill>
             <a:schemeClr val="tx1"/>
           </a:solidFill>
@@ -2689,16 +2692,16 @@
       </a:lvl1pPr>
     </p:titleStyle>
     <p:bodyStyle>
-      <a:lvl1pPr marL="143241" indent="-143241" algn="l" defTabSz="572963" rtl="0" eaLnBrk="1" latinLnBrk="0" hangingPunct="1">
+      <a:lvl1pPr marL="182880" indent="-182880" algn="l" defTabSz="731520" rtl="0" eaLnBrk="1" latinLnBrk="0" hangingPunct="1">
         <a:lnSpc>
           <a:spcPct val="90000"/>
         </a:lnSpc>
         <a:spcBef>
-          <a:spcPts val="627"/>
+          <a:spcPts val="800"/>
         </a:spcBef>
         <a:buFont typeface="Arial" panose="020B0604020202020204" pitchFamily="34" charset="0"/>
         <a:buChar char="•"/>
-        <a:defRPr sz="1754" kern="1200">
+        <a:defRPr sz="2240" kern="1200">
           <a:solidFill>
             <a:schemeClr val="tx1"/>
           </a:solidFill>
@@ -2707,16 +2710,16 @@
           <a:cs typeface="+mn-cs"/>
         </a:defRPr>
       </a:lvl1pPr>
-      <a:lvl2pPr marL="429722" indent="-143241" algn="l" defTabSz="572963" rtl="0" eaLnBrk="1" latinLnBrk="0" hangingPunct="1">
+      <a:lvl2pPr marL="548640" indent="-182880" algn="l" defTabSz="731520" rtl="0" eaLnBrk="1" latinLnBrk="0" hangingPunct="1">
         <a:lnSpc>
           <a:spcPct val="90000"/>
         </a:lnSpc>
         <a:spcBef>
-          <a:spcPts val="313"/>
+          <a:spcPts val="400"/>
         </a:spcBef>
         <a:buFont typeface="Arial" panose="020B0604020202020204" pitchFamily="34" charset="0"/>
         <a:buChar char="•"/>
-        <a:defRPr sz="1504" kern="1200">
+        <a:defRPr sz="1920" kern="1200">
           <a:solidFill>
             <a:schemeClr val="tx1"/>
           </a:solidFill>
@@ -2725,16 +2728,16 @@
           <a:cs typeface="+mn-cs"/>
         </a:defRPr>
       </a:lvl2pPr>
-      <a:lvl3pPr marL="716204" indent="-143241" algn="l" defTabSz="572963" rtl="0" eaLnBrk="1" latinLnBrk="0" hangingPunct="1">
+      <a:lvl3pPr marL="914400" indent="-182880" algn="l" defTabSz="731520" rtl="0" eaLnBrk="1" latinLnBrk="0" hangingPunct="1">
         <a:lnSpc>
           <a:spcPct val="90000"/>
         </a:lnSpc>
         <a:spcBef>
-          <a:spcPts val="313"/>
+          <a:spcPts val="400"/>
         </a:spcBef>
         <a:buFont typeface="Arial" panose="020B0604020202020204" pitchFamily="34" charset="0"/>
         <a:buChar char="•"/>
-        <a:defRPr sz="1253" kern="1200">
+        <a:defRPr sz="1600" kern="1200">
           <a:solidFill>
             <a:schemeClr val="tx1"/>
           </a:solidFill>
@@ -2743,16 +2746,16 @@
           <a:cs typeface="+mn-cs"/>
         </a:defRPr>
       </a:lvl3pPr>
-      <a:lvl4pPr marL="1002685" indent="-143241" algn="l" defTabSz="572963" rtl="0" eaLnBrk="1" latinLnBrk="0" hangingPunct="1">
+      <a:lvl4pPr marL="1280160" indent="-182880" algn="l" defTabSz="731520" rtl="0" eaLnBrk="1" latinLnBrk="0" hangingPunct="1">
         <a:lnSpc>
           <a:spcPct val="90000"/>
         </a:lnSpc>
         <a:spcBef>
-          <a:spcPts val="313"/>
+          <a:spcPts val="400"/>
         </a:spcBef>
         <a:buFont typeface="Arial" panose="020B0604020202020204" pitchFamily="34" charset="0"/>
         <a:buChar char="•"/>
-        <a:defRPr sz="1128" kern="1200">
+        <a:defRPr sz="1440" kern="1200">
           <a:solidFill>
             <a:schemeClr val="tx1"/>
           </a:solidFill>
@@ -2761,16 +2764,16 @@
           <a:cs typeface="+mn-cs"/>
         </a:defRPr>
       </a:lvl4pPr>
-      <a:lvl5pPr marL="1289167" indent="-143241" algn="l" defTabSz="572963" rtl="0" eaLnBrk="1" latinLnBrk="0" hangingPunct="1">
+      <a:lvl5pPr marL="1645920" indent="-182880" algn="l" defTabSz="731520" rtl="0" eaLnBrk="1" latinLnBrk="0" hangingPunct="1">
         <a:lnSpc>
           <a:spcPct val="90000"/>
         </a:lnSpc>
         <a:spcBef>
-          <a:spcPts val="313"/>
+          <a:spcPts val="400"/>
         </a:spcBef>
         <a:buFont typeface="Arial" panose="020B0604020202020204" pitchFamily="34" charset="0"/>
         <a:buChar char="•"/>
-        <a:defRPr sz="1128" kern="1200">
+        <a:defRPr sz="1440" kern="1200">
           <a:solidFill>
             <a:schemeClr val="tx1"/>
           </a:solidFill>
@@ -2779,16 +2782,16 @@
           <a:cs typeface="+mn-cs"/>
         </a:defRPr>
       </a:lvl5pPr>
-      <a:lvl6pPr marL="1575648" indent="-143241" algn="l" defTabSz="572963" rtl="0" eaLnBrk="1" latinLnBrk="0" hangingPunct="1">
+      <a:lvl6pPr marL="2011680" indent="-182880" algn="l" defTabSz="731520" rtl="0" eaLnBrk="1" latinLnBrk="0" hangingPunct="1">
         <a:lnSpc>
           <a:spcPct val="90000"/>
         </a:lnSpc>
         <a:spcBef>
-          <a:spcPts val="313"/>
+          <a:spcPts val="400"/>
         </a:spcBef>
         <a:buFont typeface="Arial" panose="020B0604020202020204" pitchFamily="34" charset="0"/>
         <a:buChar char="•"/>
-        <a:defRPr sz="1128" kern="1200">
+        <a:defRPr sz="1440" kern="1200">
           <a:solidFill>
             <a:schemeClr val="tx1"/>
           </a:solidFill>
@@ -2797,16 +2800,16 @@
           <a:cs typeface="+mn-cs"/>
         </a:defRPr>
       </a:lvl6pPr>
-      <a:lvl7pPr marL="1862130" indent="-143241" algn="l" defTabSz="572963" rtl="0" eaLnBrk="1" latinLnBrk="0" hangingPunct="1">
+      <a:lvl7pPr marL="2377440" indent="-182880" algn="l" defTabSz="731520" rtl="0" eaLnBrk="1" latinLnBrk="0" hangingPunct="1">
         <a:lnSpc>
           <a:spcPct val="90000"/>
         </a:lnSpc>
         <a:spcBef>
-          <a:spcPts val="313"/>
+          <a:spcPts val="400"/>
         </a:spcBef>
         <a:buFont typeface="Arial" panose="020B0604020202020204" pitchFamily="34" charset="0"/>
         <a:buChar char="•"/>
-        <a:defRPr sz="1128" kern="1200">
+        <a:defRPr sz="1440" kern="1200">
           <a:solidFill>
             <a:schemeClr val="tx1"/>
           </a:solidFill>
@@ -2815,16 +2818,16 @@
           <a:cs typeface="+mn-cs"/>
         </a:defRPr>
       </a:lvl7pPr>
-      <a:lvl8pPr marL="2148611" indent="-143241" algn="l" defTabSz="572963" rtl="0" eaLnBrk="1" latinLnBrk="0" hangingPunct="1">
+      <a:lvl8pPr marL="2743200" indent="-182880" algn="l" defTabSz="731520" rtl="0" eaLnBrk="1" latinLnBrk="0" hangingPunct="1">
         <a:lnSpc>
           <a:spcPct val="90000"/>
         </a:lnSpc>
         <a:spcBef>
-          <a:spcPts val="313"/>
+          <a:spcPts val="400"/>
         </a:spcBef>
         <a:buFont typeface="Arial" panose="020B0604020202020204" pitchFamily="34" charset="0"/>
         <a:buChar char="•"/>
-        <a:defRPr sz="1128" kern="1200">
+        <a:defRPr sz="1440" kern="1200">
           <a:solidFill>
             <a:schemeClr val="tx1"/>
           </a:solidFill>
@@ -2833,16 +2836,16 @@
           <a:cs typeface="+mn-cs"/>
         </a:defRPr>
       </a:lvl8pPr>
-      <a:lvl9pPr marL="2435093" indent="-143241" algn="l" defTabSz="572963" rtl="0" eaLnBrk="1" latinLnBrk="0" hangingPunct="1">
+      <a:lvl9pPr marL="3108960" indent="-182880" algn="l" defTabSz="731520" rtl="0" eaLnBrk="1" latinLnBrk="0" hangingPunct="1">
         <a:lnSpc>
           <a:spcPct val="90000"/>
         </a:lnSpc>
         <a:spcBef>
-          <a:spcPts val="313"/>
+          <a:spcPts val="400"/>
         </a:spcBef>
         <a:buFont typeface="Arial" panose="020B0604020202020204" pitchFamily="34" charset="0"/>
         <a:buChar char="•"/>
-        <a:defRPr sz="1128" kern="1200">
+        <a:defRPr sz="1440" kern="1200">
           <a:solidFill>
             <a:schemeClr val="tx1"/>
           </a:solidFill>
@@ -2856,8 +2859,8 @@
       <a:defPPr>
         <a:defRPr lang="en-US"/>
       </a:defPPr>
-      <a:lvl1pPr marL="0" algn="l" defTabSz="572963" rtl="0" eaLnBrk="1" latinLnBrk="0" hangingPunct="1">
-        <a:defRPr sz="1128" kern="1200">
+      <a:lvl1pPr marL="0" algn="l" defTabSz="731520" rtl="0" eaLnBrk="1" latinLnBrk="0" hangingPunct="1">
+        <a:defRPr sz="1440" kern="1200">
           <a:solidFill>
             <a:schemeClr val="tx1"/>
           </a:solidFill>
@@ -2866,8 +2869,8 @@
           <a:cs typeface="+mn-cs"/>
         </a:defRPr>
       </a:lvl1pPr>
-      <a:lvl2pPr marL="286482" algn="l" defTabSz="572963" rtl="0" eaLnBrk="1" latinLnBrk="0" hangingPunct="1">
-        <a:defRPr sz="1128" kern="1200">
+      <a:lvl2pPr marL="365760" algn="l" defTabSz="731520" rtl="0" eaLnBrk="1" latinLnBrk="0" hangingPunct="1">
+        <a:defRPr sz="1440" kern="1200">
           <a:solidFill>
             <a:schemeClr val="tx1"/>
           </a:solidFill>
@@ -2876,8 +2879,8 @@
           <a:cs typeface="+mn-cs"/>
         </a:defRPr>
       </a:lvl2pPr>
-      <a:lvl3pPr marL="572963" algn="l" defTabSz="572963" rtl="0" eaLnBrk="1" latinLnBrk="0" hangingPunct="1">
-        <a:defRPr sz="1128" kern="1200">
+      <a:lvl3pPr marL="731520" algn="l" defTabSz="731520" rtl="0" eaLnBrk="1" latinLnBrk="0" hangingPunct="1">
+        <a:defRPr sz="1440" kern="1200">
           <a:solidFill>
             <a:schemeClr val="tx1"/>
           </a:solidFill>
@@ -2886,8 +2889,8 @@
           <a:cs typeface="+mn-cs"/>
         </a:defRPr>
       </a:lvl3pPr>
-      <a:lvl4pPr marL="859445" algn="l" defTabSz="572963" rtl="0" eaLnBrk="1" latinLnBrk="0" hangingPunct="1">
-        <a:defRPr sz="1128" kern="1200">
+      <a:lvl4pPr marL="1097280" algn="l" defTabSz="731520" rtl="0" eaLnBrk="1" latinLnBrk="0" hangingPunct="1">
+        <a:defRPr sz="1440" kern="1200">
           <a:solidFill>
             <a:schemeClr val="tx1"/>
           </a:solidFill>
@@ -2896,8 +2899,8 @@
           <a:cs typeface="+mn-cs"/>
         </a:defRPr>
       </a:lvl4pPr>
-      <a:lvl5pPr marL="1145926" algn="l" defTabSz="572963" rtl="0" eaLnBrk="1" latinLnBrk="0" hangingPunct="1">
-        <a:defRPr sz="1128" kern="1200">
+      <a:lvl5pPr marL="1463040" algn="l" defTabSz="731520" rtl="0" eaLnBrk="1" latinLnBrk="0" hangingPunct="1">
+        <a:defRPr sz="1440" kern="1200">
           <a:solidFill>
             <a:schemeClr val="tx1"/>
           </a:solidFill>
@@ -2906,8 +2909,8 @@
           <a:cs typeface="+mn-cs"/>
         </a:defRPr>
       </a:lvl5pPr>
-      <a:lvl6pPr marL="1432408" algn="l" defTabSz="572963" rtl="0" eaLnBrk="1" latinLnBrk="0" hangingPunct="1">
-        <a:defRPr sz="1128" kern="1200">
+      <a:lvl6pPr marL="1828800" algn="l" defTabSz="731520" rtl="0" eaLnBrk="1" latinLnBrk="0" hangingPunct="1">
+        <a:defRPr sz="1440" kern="1200">
           <a:solidFill>
             <a:schemeClr val="tx1"/>
           </a:solidFill>
@@ -2916,8 +2919,8 @@
           <a:cs typeface="+mn-cs"/>
         </a:defRPr>
       </a:lvl6pPr>
-      <a:lvl7pPr marL="1718889" algn="l" defTabSz="572963" rtl="0" eaLnBrk="1" latinLnBrk="0" hangingPunct="1">
-        <a:defRPr sz="1128" kern="1200">
+      <a:lvl7pPr marL="2194560" algn="l" defTabSz="731520" rtl="0" eaLnBrk="1" latinLnBrk="0" hangingPunct="1">
+        <a:defRPr sz="1440" kern="1200">
           <a:solidFill>
             <a:schemeClr val="tx1"/>
           </a:solidFill>
@@ -2926,8 +2929,8 @@
           <a:cs typeface="+mn-cs"/>
         </a:defRPr>
       </a:lvl7pPr>
-      <a:lvl8pPr marL="2005371" algn="l" defTabSz="572963" rtl="0" eaLnBrk="1" latinLnBrk="0" hangingPunct="1">
-        <a:defRPr sz="1128" kern="1200">
+      <a:lvl8pPr marL="2560320" algn="l" defTabSz="731520" rtl="0" eaLnBrk="1" latinLnBrk="0" hangingPunct="1">
+        <a:defRPr sz="1440" kern="1200">
           <a:solidFill>
             <a:schemeClr val="tx1"/>
           </a:solidFill>
@@ -2936,8 +2939,8 @@
           <a:cs typeface="+mn-cs"/>
         </a:defRPr>
       </a:lvl8pPr>
-      <a:lvl9pPr marL="2291852" algn="l" defTabSz="572963" rtl="0" eaLnBrk="1" latinLnBrk="0" hangingPunct="1">
-        <a:defRPr sz="1128" kern="1200">
+      <a:lvl9pPr marL="2926080" algn="l" defTabSz="731520" rtl="0" eaLnBrk="1" latinLnBrk="0" hangingPunct="1">
+        <a:defRPr sz="1440" kern="1200">
           <a:solidFill>
             <a:schemeClr val="tx1"/>
           </a:solidFill>
@@ -2984,13 +2987,42 @@
         </p:nvPicPr>
         <p:blipFill rotWithShape="1">
           <a:blip r:embed="rId2"/>
-          <a:srcRect l="1833" r="19474" b="52807"/>
+          <a:srcRect l="1833" r="58965" b="52807"/>
           <a:stretch/>
         </p:blipFill>
         <p:spPr>
           <a:xfrm>
-            <a:off x="0" y="108284"/>
-            <a:ext cx="12162194" cy="4102768"/>
+            <a:off x="0" y="0"/>
+            <a:ext cx="7202204" cy="4877100"/>
+          </a:xfrm>
+          <a:prstGeom prst="rect">
+            <a:avLst/>
+          </a:prstGeom>
+        </p:spPr>
+      </p:pic>
+      <p:pic>
+        <p:nvPicPr>
+          <p:cNvPr id="3" name="Picture 2">
+            <a:extLst>
+              <a:ext uri="{FF2B5EF4-FFF2-40B4-BE49-F238E27FC236}">
+                <a16:creationId xmlns:a16="http://schemas.microsoft.com/office/drawing/2014/main" id="{7C697B14-2888-044B-A494-DB38B0C3B113}"/>
+              </a:ext>
+            </a:extLst>
+          </p:cNvPr>
+          <p:cNvPicPr>
+            <a:picLocks noChangeAspect="1"/>
+          </p:cNvPicPr>
+          <p:nvPr/>
+        </p:nvPicPr>
+        <p:blipFill rotWithShape="1">
+          <a:blip r:embed="rId2"/>
+          <a:srcRect l="41966" t="-1" r="19474" b="61120"/>
+          <a:stretch/>
+        </p:blipFill>
+        <p:spPr>
+          <a:xfrm>
+            <a:off x="0" y="4877100"/>
+            <a:ext cx="7265119" cy="4120596"/>
           </a:xfrm>
           <a:prstGeom prst="rect">
             <a:avLst/>
